--- a/Executive Presentation  - Big Mountain Analysis.pptx
+++ b/Executive Presentation  - Big Mountain Analysis.pptx
@@ -110,6 +110,11 @@
       </a:defRPr>
     </a:lvl9pPr>
   </p:defaultTextStyle>
+  <p:extLst>
+    <p:ext uri="{EFAFB233-063F-42B5-8137-9DF3F51BA10A}">
+      <p15:sldGuideLst xmlns:p15="http://schemas.microsoft.com/office/powerpoint/2012/main"/>
+    </p:ext>
+  </p:extLst>
 </p:presentation>
 </file>
 
@@ -260,7 +265,7 @@
           <a:p>
             <a:fld id="{3781CF87-0559-4925-B443-F8D0F354B69B}" type="datetimeFigureOut">
               <a:rPr lang="en-US" smtClean="0"/>
-              <a:t>1/16/2021</a:t>
+              <a:t>1/31/2021</a:t>
             </a:fld>
             <a:endParaRPr lang="en-US"/>
           </a:p>
@@ -458,7 +463,7 @@
           <a:p>
             <a:fld id="{3781CF87-0559-4925-B443-F8D0F354B69B}" type="datetimeFigureOut">
               <a:rPr lang="en-US" smtClean="0"/>
-              <a:t>1/16/2021</a:t>
+              <a:t>1/31/2021</a:t>
             </a:fld>
             <a:endParaRPr lang="en-US"/>
           </a:p>
@@ -666,7 +671,7 @@
           <a:p>
             <a:fld id="{3781CF87-0559-4925-B443-F8D0F354B69B}" type="datetimeFigureOut">
               <a:rPr lang="en-US" smtClean="0"/>
-              <a:t>1/16/2021</a:t>
+              <a:t>1/31/2021</a:t>
             </a:fld>
             <a:endParaRPr lang="en-US"/>
           </a:p>
@@ -864,7 +869,7 @@
           <a:p>
             <a:fld id="{3781CF87-0559-4925-B443-F8D0F354B69B}" type="datetimeFigureOut">
               <a:rPr lang="en-US" smtClean="0"/>
-              <a:t>1/16/2021</a:t>
+              <a:t>1/31/2021</a:t>
             </a:fld>
             <a:endParaRPr lang="en-US"/>
           </a:p>
@@ -1139,7 +1144,7 @@
           <a:p>
             <a:fld id="{3781CF87-0559-4925-B443-F8D0F354B69B}" type="datetimeFigureOut">
               <a:rPr lang="en-US" smtClean="0"/>
-              <a:t>1/16/2021</a:t>
+              <a:t>1/31/2021</a:t>
             </a:fld>
             <a:endParaRPr lang="en-US"/>
           </a:p>
@@ -1404,7 +1409,7 @@
           <a:p>
             <a:fld id="{3781CF87-0559-4925-B443-F8D0F354B69B}" type="datetimeFigureOut">
               <a:rPr lang="en-US" smtClean="0"/>
-              <a:t>1/16/2021</a:t>
+              <a:t>1/31/2021</a:t>
             </a:fld>
             <a:endParaRPr lang="en-US"/>
           </a:p>
@@ -1816,7 +1821,7 @@
           <a:p>
             <a:fld id="{3781CF87-0559-4925-B443-F8D0F354B69B}" type="datetimeFigureOut">
               <a:rPr lang="en-US" smtClean="0"/>
-              <a:t>1/16/2021</a:t>
+              <a:t>1/31/2021</a:t>
             </a:fld>
             <a:endParaRPr lang="en-US"/>
           </a:p>
@@ -1957,7 +1962,7 @@
           <a:p>
             <a:fld id="{3781CF87-0559-4925-B443-F8D0F354B69B}" type="datetimeFigureOut">
               <a:rPr lang="en-US" smtClean="0"/>
-              <a:t>1/16/2021</a:t>
+              <a:t>1/31/2021</a:t>
             </a:fld>
             <a:endParaRPr lang="en-US"/>
           </a:p>
@@ -2070,7 +2075,7 @@
           <a:p>
             <a:fld id="{3781CF87-0559-4925-B443-F8D0F354B69B}" type="datetimeFigureOut">
               <a:rPr lang="en-US" smtClean="0"/>
-              <a:t>1/16/2021</a:t>
+              <a:t>1/31/2021</a:t>
             </a:fld>
             <a:endParaRPr lang="en-US"/>
           </a:p>
@@ -2381,7 +2386,7 @@
           <a:p>
             <a:fld id="{3781CF87-0559-4925-B443-F8D0F354B69B}" type="datetimeFigureOut">
               <a:rPr lang="en-US" smtClean="0"/>
-              <a:t>1/16/2021</a:t>
+              <a:t>1/31/2021</a:t>
             </a:fld>
             <a:endParaRPr lang="en-US"/>
           </a:p>
@@ -2669,7 +2674,7 @@
           <a:p>
             <a:fld id="{3781CF87-0559-4925-B443-F8D0F354B69B}" type="datetimeFigureOut">
               <a:rPr lang="en-US" smtClean="0"/>
-              <a:t>1/16/2021</a:t>
+              <a:t>1/31/2021</a:t>
             </a:fld>
             <a:endParaRPr lang="en-US"/>
           </a:p>
@@ -2910,7 +2915,7 @@
           <a:p>
             <a:fld id="{3781CF87-0559-4925-B443-F8D0F354B69B}" type="datetimeFigureOut">
               <a:rPr lang="en-US" smtClean="0"/>
-              <a:t>1/16/2021</a:t>
+              <a:t>1/31/2021</a:t>
             </a:fld>
             <a:endParaRPr lang="en-US"/>
           </a:p>
@@ -4000,7 +4005,15 @@
           <a:p>
             <a:r>
               <a:rPr lang="en-US" dirty="0"/>
-              <a:t>If we try to close 10 of least use run affects ticket price.  Closing of up 5 runs or more affect the ticket price by 1% percent and revenue by 1%</a:t>
+              <a:t>If we try to close 10 of least used run it </a:t>
+            </a:r>
+            <a:r>
+              <a:rPr lang="en-US" dirty="0" err="1"/>
+              <a:t>willaffects</a:t>
+            </a:r>
+            <a:r>
+              <a:rPr lang="en-US" dirty="0"/>
+              <a:t> ticket price.  Closing of up 5 runs or more affect the ticket price by 1% percent and revenue by 1%</a:t>
             </a:r>
           </a:p>
           <a:p>
@@ -4146,7 +4159,9 @@
           </a:xfrm>
         </p:spPr>
         <p:txBody>
-          <a:bodyPr/>
+          <a:bodyPr>
+            <a:normAutofit fontScale="92500" lnSpcReduction="10000"/>
+          </a:bodyPr>
           <a:lstStyle/>
           <a:p>
             <a:r>
@@ -4160,6 +4175,14 @@
             </a:r>
           </a:p>
           <a:p>
+            <a:endParaRPr lang="en-US" dirty="0">
+              <a:solidFill>
+                <a:srgbClr val="000000"/>
+              </a:solidFill>
+              <a:latin typeface="Helvetica Neue"/>
+            </a:endParaRPr>
+          </a:p>
+          <a:p>
             <a:r>
               <a:rPr lang="en-US" dirty="0">
                 <a:solidFill>
@@ -4171,6 +4194,14 @@
             </a:r>
           </a:p>
           <a:p>
+            <a:endParaRPr lang="en-US" dirty="0">
+              <a:solidFill>
+                <a:srgbClr val="000000"/>
+              </a:solidFill>
+              <a:latin typeface="Helvetica Neue"/>
+            </a:endParaRPr>
+          </a:p>
+          <a:p>
             <a:r>
               <a:rPr lang="en-US" dirty="0">
                 <a:solidFill>
@@ -4180,6 +4211,14 @@
               </a:rPr>
               <a:t>The additional operating cost of chair lift would support additional revenue of $3,474,638.  This will pay for the investment within 1 season. </a:t>
             </a:r>
+          </a:p>
+          <a:p>
+            <a:endParaRPr lang="en-US" dirty="0">
+              <a:solidFill>
+                <a:srgbClr val="000000"/>
+              </a:solidFill>
+              <a:latin typeface="Helvetica Neue"/>
+            </a:endParaRPr>
           </a:p>
           <a:p>
             <a:r>

--- a/Executive Presentation  - Big Mountain Analysis.pptx
+++ b/Executive Presentation  - Big Mountain Analysis.pptx
@@ -8,10 +8,11 @@
     <p:sldId id="256" r:id="rId2"/>
     <p:sldId id="257" r:id="rId3"/>
     <p:sldId id="258" r:id="rId4"/>
-    <p:sldId id="259" r:id="rId5"/>
-    <p:sldId id="262" r:id="rId6"/>
-    <p:sldId id="261" r:id="rId7"/>
-    <p:sldId id="260" r:id="rId8"/>
+    <p:sldId id="263" r:id="rId5"/>
+    <p:sldId id="259" r:id="rId6"/>
+    <p:sldId id="262" r:id="rId7"/>
+    <p:sldId id="261" r:id="rId8"/>
+    <p:sldId id="260" r:id="rId9"/>
   </p:sldIdLst>
   <p:sldSz cx="12192000" cy="6858000"/>
   <p:notesSz cx="6858000" cy="9144000"/>
@@ -265,7 +266,7 @@
           <a:p>
             <a:fld id="{3781CF87-0559-4925-B443-F8D0F354B69B}" type="datetimeFigureOut">
               <a:rPr lang="en-US" smtClean="0"/>
-              <a:t>1/31/2021</a:t>
+              <a:t>2/3/2021</a:t>
             </a:fld>
             <a:endParaRPr lang="en-US"/>
           </a:p>
@@ -463,7 +464,7 @@
           <a:p>
             <a:fld id="{3781CF87-0559-4925-B443-F8D0F354B69B}" type="datetimeFigureOut">
               <a:rPr lang="en-US" smtClean="0"/>
-              <a:t>1/31/2021</a:t>
+              <a:t>2/3/2021</a:t>
             </a:fld>
             <a:endParaRPr lang="en-US"/>
           </a:p>
@@ -671,7 +672,7 @@
           <a:p>
             <a:fld id="{3781CF87-0559-4925-B443-F8D0F354B69B}" type="datetimeFigureOut">
               <a:rPr lang="en-US" smtClean="0"/>
-              <a:t>1/31/2021</a:t>
+              <a:t>2/3/2021</a:t>
             </a:fld>
             <a:endParaRPr lang="en-US"/>
           </a:p>
@@ -869,7 +870,7 @@
           <a:p>
             <a:fld id="{3781CF87-0559-4925-B443-F8D0F354B69B}" type="datetimeFigureOut">
               <a:rPr lang="en-US" smtClean="0"/>
-              <a:t>1/31/2021</a:t>
+              <a:t>2/3/2021</a:t>
             </a:fld>
             <a:endParaRPr lang="en-US"/>
           </a:p>
@@ -1144,7 +1145,7 @@
           <a:p>
             <a:fld id="{3781CF87-0559-4925-B443-F8D0F354B69B}" type="datetimeFigureOut">
               <a:rPr lang="en-US" smtClean="0"/>
-              <a:t>1/31/2021</a:t>
+              <a:t>2/3/2021</a:t>
             </a:fld>
             <a:endParaRPr lang="en-US"/>
           </a:p>
@@ -1409,7 +1410,7 @@
           <a:p>
             <a:fld id="{3781CF87-0559-4925-B443-F8D0F354B69B}" type="datetimeFigureOut">
               <a:rPr lang="en-US" smtClean="0"/>
-              <a:t>1/31/2021</a:t>
+              <a:t>2/3/2021</a:t>
             </a:fld>
             <a:endParaRPr lang="en-US"/>
           </a:p>
@@ -1821,7 +1822,7 @@
           <a:p>
             <a:fld id="{3781CF87-0559-4925-B443-F8D0F354B69B}" type="datetimeFigureOut">
               <a:rPr lang="en-US" smtClean="0"/>
-              <a:t>1/31/2021</a:t>
+              <a:t>2/3/2021</a:t>
             </a:fld>
             <a:endParaRPr lang="en-US"/>
           </a:p>
@@ -1962,7 +1963,7 @@
           <a:p>
             <a:fld id="{3781CF87-0559-4925-B443-F8D0F354B69B}" type="datetimeFigureOut">
               <a:rPr lang="en-US" smtClean="0"/>
-              <a:t>1/31/2021</a:t>
+              <a:t>2/3/2021</a:t>
             </a:fld>
             <a:endParaRPr lang="en-US"/>
           </a:p>
@@ -2075,7 +2076,7 @@
           <a:p>
             <a:fld id="{3781CF87-0559-4925-B443-F8D0F354B69B}" type="datetimeFigureOut">
               <a:rPr lang="en-US" smtClean="0"/>
-              <a:t>1/31/2021</a:t>
+              <a:t>2/3/2021</a:t>
             </a:fld>
             <a:endParaRPr lang="en-US"/>
           </a:p>
@@ -2386,7 +2387,7 @@
           <a:p>
             <a:fld id="{3781CF87-0559-4925-B443-F8D0F354B69B}" type="datetimeFigureOut">
               <a:rPr lang="en-US" smtClean="0"/>
-              <a:t>1/31/2021</a:t>
+              <a:t>2/3/2021</a:t>
             </a:fld>
             <a:endParaRPr lang="en-US"/>
           </a:p>
@@ -2674,7 +2675,7 @@
           <a:p>
             <a:fld id="{3781CF87-0559-4925-B443-F8D0F354B69B}" type="datetimeFigureOut">
               <a:rPr lang="en-US" smtClean="0"/>
-              <a:t>1/31/2021</a:t>
+              <a:t>2/3/2021</a:t>
             </a:fld>
             <a:endParaRPr lang="en-US"/>
           </a:p>
@@ -2915,7 +2916,7 @@
           <a:p>
             <a:fld id="{3781CF87-0559-4925-B443-F8D0F354B69B}" type="datetimeFigureOut">
               <a:rPr lang="en-US" smtClean="0"/>
-              <a:t>1/31/2021</a:t>
+              <a:t>2/3/2021</a:t>
             </a:fld>
             <a:endParaRPr lang="en-US"/>
           </a:p>
@@ -3412,7 +3413,7 @@
           <a:lstStyle/>
           <a:p>
             <a:r>
-              <a:rPr lang="en-US" dirty="0"/>
+              <a:rPr lang="en-US" b="1" dirty="0"/>
               <a:t>Problem Identification</a:t>
             </a:r>
           </a:p>
@@ -3561,62 +3562,63 @@
             <p:ph type="title"/>
           </p:nvPr>
         </p:nvSpPr>
+        <p:spPr>
+          <a:xfrm>
+            <a:off x="838200" y="176769"/>
+            <a:ext cx="10515600" cy="1125090"/>
+          </a:xfrm>
+        </p:spPr>
+        <p:txBody>
+          <a:bodyPr>
+            <a:normAutofit/>
+          </a:bodyPr>
+          <a:lstStyle/>
+          <a:p>
+            <a:r>
+              <a:rPr lang="en-US" sz="3200" b="1" dirty="0"/>
+              <a:t>Recommendation and key finding</a:t>
+            </a:r>
+          </a:p>
+        </p:txBody>
+      </p:sp>
+      <p:sp>
+        <p:nvSpPr>
+          <p:cNvPr id="3" name="Content Placeholder 2">
+            <a:extLst>
+              <a:ext uri="{FF2B5EF4-FFF2-40B4-BE49-F238E27FC236}">
+                <a16:creationId xmlns:a16="http://schemas.microsoft.com/office/drawing/2014/main" id="{584D1C01-C0FB-4EE6-B37E-7DD777CDF106}"/>
+              </a:ext>
+            </a:extLst>
+          </p:cNvPr>
+          <p:cNvSpPr>
+            <a:spLocks noGrp="1"/>
+          </p:cNvSpPr>
+          <p:nvPr>
+            <p:ph idx="1"/>
+          </p:nvPr>
+        </p:nvSpPr>
         <p:spPr/>
         <p:txBody>
-          <a:bodyPr/>
+          <a:bodyPr>
+            <a:normAutofit/>
+          </a:bodyPr>
           <a:lstStyle/>
           <a:p>
             <a:r>
               <a:rPr lang="en-US" dirty="0"/>
-              <a:t>Recommendation and key finding</a:t>
-            </a:r>
-          </a:p>
-        </p:txBody>
-      </p:sp>
-      <p:sp>
-        <p:nvSpPr>
-          <p:cNvPr id="3" name="Content Placeholder 2">
-            <a:extLst>
-              <a:ext uri="{FF2B5EF4-FFF2-40B4-BE49-F238E27FC236}">
-                <a16:creationId xmlns:a16="http://schemas.microsoft.com/office/drawing/2014/main" id="{584D1C01-C0FB-4EE6-B37E-7DD777CDF106}"/>
-              </a:ext>
-            </a:extLst>
-          </p:cNvPr>
-          <p:cNvSpPr>
-            <a:spLocks noGrp="1"/>
-          </p:cNvSpPr>
-          <p:nvPr>
-            <p:ph idx="1"/>
-          </p:nvPr>
-        </p:nvSpPr>
-        <p:spPr/>
-        <p:txBody>
-          <a:bodyPr>
-            <a:normAutofit lnSpcReduction="10000"/>
-          </a:bodyPr>
-          <a:lstStyle/>
+              <a:t>The data analysis of the ticket of $81 can be increased to $95.87 due to the modeling and show the amenities will support the price increase.</a:t>
+            </a:r>
+          </a:p>
           <a:p>
             <a:r>
               <a:rPr lang="en-US" dirty="0"/>
-              <a:t>The data analysis of the ticket of $81 can be increased to $95.87 due to the modeling and show the amenities will support this increase.</a:t>
-            </a:r>
-          </a:p>
-          <a:p>
-            <a:endParaRPr lang="en-US" dirty="0"/>
+              <a:t>Big Mountain Resort should increase their price, currently it is below the market price</a:t>
+            </a:r>
           </a:p>
           <a:p>
             <a:r>
               <a:rPr lang="en-US" dirty="0"/>
-              <a:t>Big Mountain Resort should increase their price, currently it is below market price</a:t>
-            </a:r>
-          </a:p>
-          <a:p>
-            <a:endParaRPr lang="en-US" dirty="0"/>
-          </a:p>
-          <a:p>
-            <a:r>
-              <a:rPr lang="en-US" dirty="0"/>
-              <a:t>With the additional to chair lift and increase ticket price, we can support an addition revenue.  I found that every $1.99 price increase we can add an additional $3,474,638 of revenue.*  The additional chairlift would support this increase</a:t>
+              <a:t>With the additional to chair lift we can increase ticket price to cover the operation cost.  I found that every $1.99 price increase we can add an additional $3,474,638 of revenue.*  The additional chairlift would support this increase</a:t>
             </a:r>
           </a:p>
         </p:txBody>
@@ -3691,7 +3693,7 @@
           <p:cNvPr id="2" name="Title 1">
             <a:extLst>
               <a:ext uri="{FF2B5EF4-FFF2-40B4-BE49-F238E27FC236}">
-                <a16:creationId xmlns:a16="http://schemas.microsoft.com/office/drawing/2014/main" id="{1C98A515-FF96-4B01-BD36-C2D36882AF4B}"/>
+                <a16:creationId xmlns:a16="http://schemas.microsoft.com/office/drawing/2014/main" id="{63E45E72-ED71-415B-BFDA-255A71250B6B}"/>
               </a:ext>
             </a:extLst>
           </p:cNvPr>
@@ -3702,95 +3704,69 @@
             <p:ph type="title"/>
           </p:nvPr>
         </p:nvSpPr>
-        <p:spPr>
-          <a:xfrm>
-            <a:off x="838200" y="186895"/>
-            <a:ext cx="10515600" cy="1325563"/>
-          </a:xfrm>
-        </p:spPr>
+        <p:spPr/>
+        <p:txBody>
+          <a:bodyPr/>
+          <a:lstStyle/>
+          <a:p>
+            <a:r>
+              <a:rPr lang="en-US" b="1" dirty="0"/>
+              <a:t>Recommendation and key finding </a:t>
+            </a:r>
+            <a:r>
+              <a:rPr lang="en-US" b="1" dirty="0" err="1"/>
+              <a:t>cont</a:t>
+            </a:r>
+            <a:endParaRPr lang="en-US" dirty="0"/>
+          </a:p>
+        </p:txBody>
+      </p:sp>
+      <p:sp>
+        <p:nvSpPr>
+          <p:cNvPr id="3" name="Content Placeholder 2">
+            <a:extLst>
+              <a:ext uri="{FF2B5EF4-FFF2-40B4-BE49-F238E27FC236}">
+                <a16:creationId xmlns:a16="http://schemas.microsoft.com/office/drawing/2014/main" id="{1C853B44-A72E-4D99-BFA1-F3257CBBB440}"/>
+              </a:ext>
+            </a:extLst>
+          </p:cNvPr>
+          <p:cNvSpPr>
+            <a:spLocks noGrp="1"/>
+          </p:cNvSpPr>
+          <p:nvPr>
+            <p:ph idx="1"/>
+          </p:nvPr>
+        </p:nvSpPr>
+        <p:spPr/>
         <p:txBody>
           <a:bodyPr/>
           <a:lstStyle/>
           <a:p>
             <a:r>
               <a:rPr lang="en-US" dirty="0"/>
-              <a:t>Modeling</a:t>
-            </a:r>
-          </a:p>
-        </p:txBody>
-      </p:sp>
-      <p:sp>
-        <p:nvSpPr>
-          <p:cNvPr id="3" name="Content Placeholder 2">
-            <a:extLst>
-              <a:ext uri="{FF2B5EF4-FFF2-40B4-BE49-F238E27FC236}">
-                <a16:creationId xmlns:a16="http://schemas.microsoft.com/office/drawing/2014/main" id="{DDB6F867-964F-4B6E-9B15-0B3BD7439311}"/>
-              </a:ext>
-            </a:extLst>
-          </p:cNvPr>
-          <p:cNvSpPr>
-            <a:spLocks noGrp="1"/>
-          </p:cNvSpPr>
-          <p:nvPr>
-            <p:ph idx="1"/>
-          </p:nvPr>
-        </p:nvSpPr>
-        <p:spPr>
-          <a:xfrm>
-            <a:off x="838200" y="1278610"/>
-            <a:ext cx="10515600" cy="4898353"/>
-          </a:xfrm>
-        </p:spPr>
-        <p:txBody>
-          <a:bodyPr>
-            <a:normAutofit fontScale="92500" lnSpcReduction="10000"/>
-          </a:bodyPr>
-          <a:lstStyle/>
-          <a:p>
-            <a:r>
-              <a:rPr lang="en-US" sz="3200" dirty="0"/>
-              <a:t>Big Mountain Adult ticket weekend is the highest in Montana. </a:t>
-            </a:r>
-          </a:p>
-          <a:p>
-            <a:r>
-              <a:rPr lang="en-US" sz="3200" dirty="0"/>
-              <a:t>Big Mountain is amongst the resorts with the largest amount of skiable terrain.</a:t>
-            </a:r>
-          </a:p>
-          <a:p>
-            <a:r>
-              <a:rPr lang="en-US" sz="3200" dirty="0"/>
-              <a:t>Big Mountain is doing well for vertical drop, but there are still quite a few resorts with a greater drop.</a:t>
-            </a:r>
-          </a:p>
-          <a:p>
-            <a:r>
-              <a:rPr lang="en-US" sz="3200" dirty="0"/>
-              <a:t>Big Mountain is very high up the league table of snow making area.</a:t>
-            </a:r>
-          </a:p>
-          <a:p>
-            <a:r>
-              <a:rPr lang="en-US" sz="3200" dirty="0"/>
-              <a:t>Most resorts have no fast quads. Big Mountain has 3, which puts it high up that league table.</a:t>
-            </a:r>
-          </a:p>
-          <a:p>
-            <a:r>
-              <a:rPr lang="en-US" sz="3200" dirty="0"/>
-              <a:t>The vast majority of resorts, such as Big Mountain, have no trams.</a:t>
-            </a:r>
-          </a:p>
-          <a:p>
-            <a:endParaRPr lang="en-US" sz="2500" b="1" dirty="0"/>
+              <a:t>These are the 2 changes we can add to increase the price of the ticket</a:t>
+            </a:r>
+          </a:p>
+          <a:p>
+            <a:pPr lvl="1"/>
+            <a:r>
+              <a:rPr lang="en-US" dirty="0"/>
+              <a:t>Add vertical drop </a:t>
+            </a:r>
+          </a:p>
+          <a:p>
+            <a:pPr lvl="1"/>
+            <a:r>
+              <a:rPr lang="en-US" dirty="0"/>
+              <a:t>2 acre of snow making</a:t>
+            </a:r>
           </a:p>
         </p:txBody>
       </p:sp>
     </p:spTree>
     <p:extLst>
       <p:ext uri="{BB962C8B-B14F-4D97-AF65-F5344CB8AC3E}">
-        <p14:creationId xmlns:p14="http://schemas.microsoft.com/office/powerpoint/2010/main" val="1784904308"/>
+        <p14:creationId xmlns:p14="http://schemas.microsoft.com/office/powerpoint/2010/main" val="257818500"/>
       </p:ext>
     </p:extLst>
   </p:cSld>
@@ -3822,7 +3798,7 @@
           <p:cNvPr id="2" name="Title 1">
             <a:extLst>
               <a:ext uri="{FF2B5EF4-FFF2-40B4-BE49-F238E27FC236}">
-                <a16:creationId xmlns:a16="http://schemas.microsoft.com/office/drawing/2014/main" id="{CE8502AE-FC5A-45E1-AE7C-6782AB9A348C}"/>
+                <a16:creationId xmlns:a16="http://schemas.microsoft.com/office/drawing/2014/main" id="{1C98A515-FF96-4B01-BD36-C2D36882AF4B}"/>
               </a:ext>
             </a:extLst>
           </p:cNvPr>
@@ -3835,19 +3811,17 @@
         </p:nvSpPr>
         <p:spPr>
           <a:xfrm>
-            <a:off x="838200" y="365126"/>
-            <a:ext cx="10515600" cy="422274"/>
+            <a:off x="838200" y="186895"/>
+            <a:ext cx="10515600" cy="1325563"/>
           </a:xfrm>
         </p:spPr>
         <p:txBody>
-          <a:bodyPr>
-            <a:normAutofit fontScale="90000"/>
-          </a:bodyPr>
-          <a:lstStyle/>
-          <a:p>
-            <a:r>
-              <a:rPr lang="en-US" sz="2500" dirty="0"/>
-              <a:t>Modeling cont.</a:t>
+          <a:bodyPr/>
+          <a:lstStyle/>
+          <a:p>
+            <a:r>
+              <a:rPr lang="en-US" b="1" dirty="0"/>
+              <a:t>Modeling</a:t>
             </a:r>
           </a:p>
         </p:txBody>
@@ -3857,7 +3831,7 @@
           <p:cNvPr id="3" name="Content Placeholder 2">
             <a:extLst>
               <a:ext uri="{FF2B5EF4-FFF2-40B4-BE49-F238E27FC236}">
-                <a16:creationId xmlns:a16="http://schemas.microsoft.com/office/drawing/2014/main" id="{06C2D43E-3602-423A-B3EA-1CD47FA707D9}"/>
+                <a16:creationId xmlns:a16="http://schemas.microsoft.com/office/drawing/2014/main" id="{DDB6F867-964F-4B6E-9B15-0B3BD7439311}"/>
               </a:ext>
             </a:extLst>
           </p:cNvPr>
@@ -3870,34 +3844,54 @@
         </p:nvSpPr>
         <p:spPr>
           <a:xfrm>
-            <a:off x="838200" y="922149"/>
-            <a:ext cx="10515600" cy="5254814"/>
+            <a:off x="838200" y="1512458"/>
+            <a:ext cx="10515600" cy="4898353"/>
           </a:xfrm>
         </p:spPr>
         <p:txBody>
           <a:bodyPr>
-            <a:normAutofit/>
+            <a:normAutofit lnSpcReduction="10000"/>
           </a:bodyPr>
           <a:lstStyle/>
           <a:p>
             <a:r>
-              <a:rPr lang="en-US" dirty="0"/>
-              <a:t>Big Mountain has amongst the highest number of total chairs, resorts with more appear to be outliers.</a:t>
-            </a:r>
-            <a:endParaRPr lang="en-US" sz="3000" dirty="0"/>
-          </a:p>
-          <a:p>
-            <a:r>
-              <a:rPr lang="en-US" sz="3000" dirty="0"/>
-              <a:t>Big Mountain compares well for the number of runs. There are some resorts with more, but not many.</a:t>
-            </a:r>
+              <a:rPr lang="en-US" sz="3200" dirty="0"/>
+              <a:t>Big Mountain Adult ticket weekend is the highest in Montana. </a:t>
+            </a:r>
+          </a:p>
+          <a:p>
+            <a:r>
+              <a:rPr lang="en-US" sz="3200" dirty="0"/>
+              <a:t>Big Mountain is amongst the resorts with the largest amount of skiable terrain.</a:t>
+            </a:r>
+          </a:p>
+          <a:p>
+            <a:r>
+              <a:rPr lang="en-US" sz="3200" dirty="0"/>
+              <a:t>Big Mountain is doing well for vertical drop, but there are still quite a few resorts with a greater drop.</a:t>
+            </a:r>
+          </a:p>
+          <a:p>
+            <a:r>
+              <a:rPr lang="en-US" sz="3200" dirty="0"/>
+              <a:t>Big Mountain is very high up the league table of snow making area.</a:t>
+            </a:r>
+          </a:p>
+          <a:p>
+            <a:r>
+              <a:rPr lang="en-US" sz="3200" dirty="0"/>
+              <a:t>Most resorts have no fast quads. Big Mountain has 3, which puts it high up that league table.</a:t>
+            </a:r>
+          </a:p>
+          <a:p>
+            <a:endParaRPr lang="en-US" sz="2500" b="1" dirty="0"/>
           </a:p>
         </p:txBody>
       </p:sp>
     </p:spTree>
     <p:extLst>
       <p:ext uri="{BB962C8B-B14F-4D97-AF65-F5344CB8AC3E}">
-        <p14:creationId xmlns:p14="http://schemas.microsoft.com/office/powerpoint/2010/main" val="1663123602"/>
+        <p14:creationId xmlns:p14="http://schemas.microsoft.com/office/powerpoint/2010/main" val="1784904308"/>
       </p:ext>
     </p:extLst>
   </p:cSld>
@@ -3929,6 +3923,119 @@
           <p:cNvPr id="2" name="Title 1">
             <a:extLst>
               <a:ext uri="{FF2B5EF4-FFF2-40B4-BE49-F238E27FC236}">
+                <a16:creationId xmlns:a16="http://schemas.microsoft.com/office/drawing/2014/main" id="{CE8502AE-FC5A-45E1-AE7C-6782AB9A348C}"/>
+              </a:ext>
+            </a:extLst>
+          </p:cNvPr>
+          <p:cNvSpPr>
+            <a:spLocks noGrp="1"/>
+          </p:cNvSpPr>
+          <p:nvPr>
+            <p:ph type="title"/>
+          </p:nvPr>
+        </p:nvSpPr>
+        <p:spPr>
+          <a:xfrm>
+            <a:off x="838200" y="365126"/>
+            <a:ext cx="10515600" cy="422274"/>
+          </a:xfrm>
+        </p:spPr>
+        <p:txBody>
+          <a:bodyPr>
+            <a:noAutofit/>
+          </a:bodyPr>
+          <a:lstStyle/>
+          <a:p>
+            <a:r>
+              <a:rPr lang="en-US" sz="3200" b="1" dirty="0"/>
+              <a:t>Modeling cont.</a:t>
+            </a:r>
+          </a:p>
+        </p:txBody>
+      </p:sp>
+      <p:sp>
+        <p:nvSpPr>
+          <p:cNvPr id="3" name="Content Placeholder 2">
+            <a:extLst>
+              <a:ext uri="{FF2B5EF4-FFF2-40B4-BE49-F238E27FC236}">
+                <a16:creationId xmlns:a16="http://schemas.microsoft.com/office/drawing/2014/main" id="{06C2D43E-3602-423A-B3EA-1CD47FA707D9}"/>
+              </a:ext>
+            </a:extLst>
+          </p:cNvPr>
+          <p:cNvSpPr>
+            <a:spLocks noGrp="1"/>
+          </p:cNvSpPr>
+          <p:nvPr>
+            <p:ph idx="1"/>
+          </p:nvPr>
+        </p:nvSpPr>
+        <p:spPr>
+          <a:xfrm>
+            <a:off x="838200" y="1464589"/>
+            <a:ext cx="10515600" cy="4712373"/>
+          </a:xfrm>
+        </p:spPr>
+        <p:txBody>
+          <a:bodyPr>
+            <a:normAutofit/>
+          </a:bodyPr>
+          <a:lstStyle/>
+          <a:p>
+            <a:r>
+              <a:rPr lang="en-US" dirty="0"/>
+              <a:t>Big Mountain and the majority of resorts have no trams.  </a:t>
+            </a:r>
+          </a:p>
+          <a:p>
+            <a:r>
+              <a:rPr lang="en-US" dirty="0"/>
+              <a:t>Big Mountain has one the highest number of total chairs, very few resorts have more chairs than Big Mountain.</a:t>
+            </a:r>
+            <a:endParaRPr lang="en-US" sz="3000" dirty="0"/>
+          </a:p>
+          <a:p>
+            <a:r>
+              <a:rPr lang="en-US" sz="3000" dirty="0"/>
+              <a:t>Compare to other resorts Big Mounting has a greater number of runs compare to the competitors.  </a:t>
+            </a:r>
+          </a:p>
+        </p:txBody>
+      </p:sp>
+    </p:spTree>
+    <p:extLst>
+      <p:ext uri="{BB962C8B-B14F-4D97-AF65-F5344CB8AC3E}">
+        <p14:creationId xmlns:p14="http://schemas.microsoft.com/office/powerpoint/2010/main" val="1663123602"/>
+      </p:ext>
+    </p:extLst>
+  </p:cSld>
+  <p:clrMapOvr>
+    <a:masterClrMapping/>
+  </p:clrMapOvr>
+</p:sld>
+</file>
+
+<file path=ppt/slides/slide7.xml><?xml version="1.0" encoding="utf-8"?>
+<p:sld xmlns:a="http://schemas.openxmlformats.org/drawingml/2006/main" xmlns:r="http://schemas.openxmlformats.org/officeDocument/2006/relationships" xmlns:p="http://schemas.openxmlformats.org/presentationml/2006/main">
+  <p:cSld>
+    <p:spTree>
+      <p:nvGrpSpPr>
+        <p:cNvPr id="1" name=""/>
+        <p:cNvGrpSpPr/>
+        <p:nvPr/>
+      </p:nvGrpSpPr>
+      <p:grpSpPr>
+        <a:xfrm>
+          <a:off x="0" y="0"/>
+          <a:ext cx="0" cy="0"/>
+          <a:chOff x="0" y="0"/>
+          <a:chExt cx="0" cy="0"/>
+        </a:xfrm>
+      </p:grpSpPr>
+      <p:sp>
+        <p:nvSpPr>
+          <p:cNvPr id="2" name="Title 1">
+            <a:extLst>
+              <a:ext uri="{FF2B5EF4-FFF2-40B4-BE49-F238E27FC236}">
                 <a16:creationId xmlns:a16="http://schemas.microsoft.com/office/drawing/2014/main" id="{5A8EF696-7159-45BB-B986-B59EFA3BA6BB}"/>
               </a:ext>
             </a:extLst>
@@ -4005,15 +4112,15 @@
           <a:p>
             <a:r>
               <a:rPr lang="en-US" dirty="0"/>
-              <a:t>If we try to close 10 of least used run it </a:t>
+              <a:t>If we tried to close 10 of the least used runs it will affect the ticket price.  Closing of up 5 runs or more will affect the ticket price by 1%. </a:t>
             </a:r>
             <a:r>
               <a:rPr lang="en-US" dirty="0" err="1"/>
-              <a:t>willaffects</a:t>
+              <a:t>percenT</a:t>
             </a:r>
             <a:r>
               <a:rPr lang="en-US" dirty="0"/>
-              <a:t> ticket price.  Closing of up 5 runs or more affect the ticket price by 1% percent and revenue by 1%</a:t>
+              <a:t> revenue by 1%</a:t>
             </a:r>
           </a:p>
           <a:p>
@@ -4040,7 +4147,7 @@
           <a:p>
             <a:r>
               <a:rPr lang="en-US" dirty="0"/>
-              <a:t>Increase the longest run by 0.2 mile to boast 3.5 miles length, requiring an additional snow making coverage of 4 acres but does not support an increase of ticket price</a:t>
+              <a:t>Increasing the longest run by 0.2 mile to boast 3.5 miles length, requiring an additional snow making coverage of 4 acres but does not support an increase of ticket price.</a:t>
             </a:r>
           </a:p>
           <a:p>
@@ -4091,7 +4198,7 @@
 </p:sld>
 </file>
 
-<file path=ppt/slides/slide7.xml><?xml version="1.0" encoding="utf-8"?>
+<file path=ppt/slides/slide8.xml><?xml version="1.0" encoding="utf-8"?>
 <p:sld xmlns:a="http://schemas.openxmlformats.org/drawingml/2006/main" xmlns:r="http://schemas.openxmlformats.org/officeDocument/2006/relationships" xmlns:p="http://schemas.openxmlformats.org/presentationml/2006/main">
   <p:cSld>
     <p:spTree>
@@ -4160,7 +4267,7 @@
         </p:spPr>
         <p:txBody>
           <a:bodyPr>
-            <a:normAutofit fontScale="92500" lnSpcReduction="10000"/>
+            <a:normAutofit lnSpcReduction="10000"/>
           </a:bodyPr>
           <a:lstStyle/>
           <a:p>
@@ -4190,7 +4297,7 @@
                 </a:solidFill>
                 <a:latin typeface="Helvetica Neue"/>
               </a:rPr>
-              <a:t>After analyzing the amenities of Big Mountain Resort, I believe we are below market value for ticket price. </a:t>
+              <a:t>After analyzing the amenities of Big Mountain Resort and other resorts, I believe the ticket price is below market value. </a:t>
             </a:r>
           </a:p>
           <a:p>
@@ -4228,10 +4335,17 @@
                 </a:solidFill>
                 <a:latin typeface="Helvetica Neue"/>
               </a:rPr>
-              <a:t>Model suggest future investment should be done in Snow Making.  We would need to add 2 acre of snow making to increase ticket price of $1.99</a:t>
-            </a:r>
-          </a:p>
-          <a:p>
+              <a:t>The model suggest future investment should be done in Snow Making or in </a:t>
+            </a:r>
+            <a:r>
+              <a:rPr lang="en-US">
+                <a:solidFill>
+                  <a:srgbClr val="000000"/>
+                </a:solidFill>
+                <a:latin typeface="Helvetica Neue"/>
+              </a:rPr>
+              <a:t>Vertical drops of 150 ft.</a:t>
+            </a:r>
             <a:endParaRPr lang="en-US" dirty="0">
               <a:solidFill>
                 <a:srgbClr val="000000"/>

--- a/Executive Presentation  - Big Mountain Analysis.pptx
+++ b/Executive Presentation  - Big Mountain Analysis.pptx
@@ -266,7 +266,7 @@
           <a:p>
             <a:fld id="{3781CF87-0559-4925-B443-F8D0F354B69B}" type="datetimeFigureOut">
               <a:rPr lang="en-US" smtClean="0"/>
-              <a:t>2/3/2021</a:t>
+              <a:t>3/9/2021</a:t>
             </a:fld>
             <a:endParaRPr lang="en-US"/>
           </a:p>
@@ -464,7 +464,7 @@
           <a:p>
             <a:fld id="{3781CF87-0559-4925-B443-F8D0F354B69B}" type="datetimeFigureOut">
               <a:rPr lang="en-US" smtClean="0"/>
-              <a:t>2/3/2021</a:t>
+              <a:t>3/9/2021</a:t>
             </a:fld>
             <a:endParaRPr lang="en-US"/>
           </a:p>
@@ -672,7 +672,7 @@
           <a:p>
             <a:fld id="{3781CF87-0559-4925-B443-F8D0F354B69B}" type="datetimeFigureOut">
               <a:rPr lang="en-US" smtClean="0"/>
-              <a:t>2/3/2021</a:t>
+              <a:t>3/9/2021</a:t>
             </a:fld>
             <a:endParaRPr lang="en-US"/>
           </a:p>
@@ -870,7 +870,7 @@
           <a:p>
             <a:fld id="{3781CF87-0559-4925-B443-F8D0F354B69B}" type="datetimeFigureOut">
               <a:rPr lang="en-US" smtClean="0"/>
-              <a:t>2/3/2021</a:t>
+              <a:t>3/9/2021</a:t>
             </a:fld>
             <a:endParaRPr lang="en-US"/>
           </a:p>
@@ -1145,7 +1145,7 @@
           <a:p>
             <a:fld id="{3781CF87-0559-4925-B443-F8D0F354B69B}" type="datetimeFigureOut">
               <a:rPr lang="en-US" smtClean="0"/>
-              <a:t>2/3/2021</a:t>
+              <a:t>3/9/2021</a:t>
             </a:fld>
             <a:endParaRPr lang="en-US"/>
           </a:p>
@@ -1410,7 +1410,7 @@
           <a:p>
             <a:fld id="{3781CF87-0559-4925-B443-F8D0F354B69B}" type="datetimeFigureOut">
               <a:rPr lang="en-US" smtClean="0"/>
-              <a:t>2/3/2021</a:t>
+              <a:t>3/9/2021</a:t>
             </a:fld>
             <a:endParaRPr lang="en-US"/>
           </a:p>
@@ -1822,7 +1822,7 @@
           <a:p>
             <a:fld id="{3781CF87-0559-4925-B443-F8D0F354B69B}" type="datetimeFigureOut">
               <a:rPr lang="en-US" smtClean="0"/>
-              <a:t>2/3/2021</a:t>
+              <a:t>3/9/2021</a:t>
             </a:fld>
             <a:endParaRPr lang="en-US"/>
           </a:p>
@@ -1963,7 +1963,7 @@
           <a:p>
             <a:fld id="{3781CF87-0559-4925-B443-F8D0F354B69B}" type="datetimeFigureOut">
               <a:rPr lang="en-US" smtClean="0"/>
-              <a:t>2/3/2021</a:t>
+              <a:t>3/9/2021</a:t>
             </a:fld>
             <a:endParaRPr lang="en-US"/>
           </a:p>
@@ -2076,7 +2076,7 @@
           <a:p>
             <a:fld id="{3781CF87-0559-4925-B443-F8D0F354B69B}" type="datetimeFigureOut">
               <a:rPr lang="en-US" smtClean="0"/>
-              <a:t>2/3/2021</a:t>
+              <a:t>3/9/2021</a:t>
             </a:fld>
             <a:endParaRPr lang="en-US"/>
           </a:p>
@@ -2387,7 +2387,7 @@
           <a:p>
             <a:fld id="{3781CF87-0559-4925-B443-F8D0F354B69B}" type="datetimeFigureOut">
               <a:rPr lang="en-US" smtClean="0"/>
-              <a:t>2/3/2021</a:t>
+              <a:t>3/9/2021</a:t>
             </a:fld>
             <a:endParaRPr lang="en-US"/>
           </a:p>
@@ -2675,7 +2675,7 @@
           <a:p>
             <a:fld id="{3781CF87-0559-4925-B443-F8D0F354B69B}" type="datetimeFigureOut">
               <a:rPr lang="en-US" smtClean="0"/>
-              <a:t>2/3/2021</a:t>
+              <a:t>3/9/2021</a:t>
             </a:fld>
             <a:endParaRPr lang="en-US"/>
           </a:p>
@@ -2916,7 +2916,7 @@
           <a:p>
             <a:fld id="{3781CF87-0559-4925-B443-F8D0F354B69B}" type="datetimeFigureOut">
               <a:rPr lang="en-US" smtClean="0"/>
-              <a:t>2/3/2021</a:t>
+              <a:t>3/9/2021</a:t>
             </a:fld>
             <a:endParaRPr lang="en-US"/>
           </a:p>
@@ -3744,7 +3744,7 @@
           <a:p>
             <a:r>
               <a:rPr lang="en-US" dirty="0"/>
-              <a:t>These are the 2 changes we can add to increase the price of the ticket</a:t>
+              <a:t>Here are the recommended changes that can increase the ticket prices</a:t>
             </a:r>
           </a:p>
           <a:p>
@@ -3758,7 +3758,14 @@
             <a:pPr lvl="1"/>
             <a:r>
               <a:rPr lang="en-US" dirty="0"/>
-              <a:t>2 acre of snow making</a:t>
+              <a:t>Runs</a:t>
+            </a:r>
+          </a:p>
+          <a:p>
+            <a:pPr lvl="1"/>
+            <a:r>
+              <a:rPr lang="en-US" dirty="0"/>
+              <a:t>Chair Lift</a:t>
             </a:r>
           </a:p>
         </p:txBody>
@@ -4267,7 +4274,7 @@
         </p:spPr>
         <p:txBody>
           <a:bodyPr>
-            <a:normAutofit lnSpcReduction="10000"/>
+            <a:normAutofit/>
           </a:bodyPr>
           <a:lstStyle/>
           <a:p>
@@ -4316,26 +4323,7 @@
                 </a:solidFill>
                 <a:latin typeface="Helvetica Neue"/>
               </a:rPr>
-              <a:t>The additional operating cost of chair lift would support additional revenue of $3,474,638.  This will pay for the investment within 1 season. </a:t>
-            </a:r>
-          </a:p>
-          <a:p>
-            <a:endParaRPr lang="en-US" dirty="0">
-              <a:solidFill>
-                <a:srgbClr val="000000"/>
-              </a:solidFill>
-              <a:latin typeface="Helvetica Neue"/>
-            </a:endParaRPr>
-          </a:p>
-          <a:p>
-            <a:r>
-              <a:rPr lang="en-US" dirty="0">
-                <a:solidFill>
-                  <a:srgbClr val="000000"/>
-                </a:solidFill>
-                <a:latin typeface="Helvetica Neue"/>
-              </a:rPr>
-              <a:t>The model suggest future investment should be done in Snow Making or in </a:t>
+              <a:t>The additional operating cost of chair lift would support additional revenue of $3,474,638.  This will pay for the investment within 1 season</a:t>
             </a:r>
             <a:r>
               <a:rPr lang="en-US">
@@ -4344,16 +4332,8 @@
                 </a:solidFill>
                 <a:latin typeface="Helvetica Neue"/>
               </a:rPr>
-              <a:t>Vertical drops of 150 ft.</a:t>
-            </a:r>
-            <a:endParaRPr lang="en-US" dirty="0">
-              <a:solidFill>
-                <a:srgbClr val="000000"/>
-              </a:solidFill>
-              <a:latin typeface="Helvetica Neue"/>
-            </a:endParaRPr>
-          </a:p>
-          <a:p>
+              <a:t>. </a:t>
+            </a:r>
             <a:endParaRPr lang="en-US" dirty="0">
               <a:solidFill>
                 <a:srgbClr val="000000"/>
